--- a/00_Varianta de lucru PostgreSQL/00_Descarcare si instalare PostgreSQL.pptx
+++ b/00_Varianta de lucru PostgreSQL/00_Descarcare si instalare PostgreSQL.pptx
@@ -5084,7 +5084,7 @@
                 <a:latin typeface="Avenir Light"/>
                 <a:cs typeface="Avenir Light"/>
               </a:rPr>
-              <a:t>Cea mai recentă versiune este 10, însă o puteți folosi și pe 9.6</a:t>
+              <a:t>Cea mai recentă versiune este 12x, însă puteți folosi și o versiune ulterioară 9.6</a:t>
             </a:r>
           </a:p>
           <a:p>
@@ -6398,7 +6398,7 @@
                 <a:latin typeface="Avenir Light"/>
                 <a:cs typeface="Avenir Light"/>
               </a:rPr>
-              <a:t> DB Server 10 sau 9.6: </a:t>
+              <a:t> DB Server 12 sau anterioară: </a:t>
             </a:r>
             <a:r>
               <a:rPr lang="ro-RO" sz="2600" dirty="0">
@@ -6630,7 +6630,7 @@
                 <a:latin typeface="Avenir Light"/>
                 <a:cs typeface="Avenir Light"/>
               </a:rPr>
-              <a:t> DB Server 10 instalat (de dl. </a:t>
+              <a:t> DB Server 11 instalat (de dl. </a:t>
             </a:r>
             <a:r>
               <a:rPr lang="ro-RO" sz="2600" dirty="0" err="1">
